--- a/E - Allgemeine Verwaltung/Slides/Slides.pptx
+++ b/E - Allgemeine Verwaltung/Slides/Slides.pptx
@@ -16674,7 +16674,7 @@
                   <a:schemeClr val="bg1"/>
                 </a:solidFill>
               </a:rPr>
-              <a:t>1. Aktivitätsdiagramm</a:t>
+              <a:t>2. Aktivitätsdiagramm</a:t>
             </a:r>
             <a:endParaRPr lang="de-DE" sz="1800" dirty="0">
               <a:solidFill>
@@ -16698,7 +16698,7 @@
         </p:nvSpPr>
         <p:spPr bwMode="auto">
           <a:xfrm>
-            <a:off x="4889555" y="4523362"/>
+            <a:off x="4889553" y="3774333"/>
             <a:ext cx="2419239" cy="642024"/>
           </a:xfrm>
           <a:prstGeom prst="ellipse">
@@ -16760,7 +16760,7 @@
         </p:nvSpPr>
         <p:spPr bwMode="auto">
           <a:xfrm>
-            <a:off x="4889555" y="3774333"/>
+            <a:off x="4889554" y="4523362"/>
             <a:ext cx="2419239" cy="642024"/>
           </a:xfrm>
           <a:prstGeom prst="ellipse">
@@ -16798,7 +16798,7 @@
                   <a:schemeClr val="bg1"/>
                 </a:solidFill>
               </a:rPr>
-              <a:t>2. Sequenzdiagramm</a:t>
+              <a:t>4. Sequenzdiagramm</a:t>
             </a:r>
             <a:endParaRPr lang="de-DE" sz="1800" dirty="0">
               <a:solidFill>
@@ -16860,7 +16860,7 @@
                   <a:schemeClr val="bg1"/>
                 </a:solidFill>
               </a:rPr>
-              <a:t>4. Klassendiagramm</a:t>
+              <a:t>1. Klassendiagramm</a:t>
             </a:r>
             <a:endParaRPr lang="de-DE" sz="1800" dirty="0">
               <a:solidFill>
@@ -18832,43 +18832,55 @@
 
 <file path=customXml/item1.xml><?xml version="1.0" encoding="utf-8"?>
 <p4ppTags>
+  <Name>Four objects + Navigation</Name>
+  <PpLayout>32</PpLayout>
+  <Index>22</Index>
+</p4ppTags>
+</file>
+
+<file path=customXml/item10.xml><?xml version="1.0" encoding="utf-8"?>
+<p4ppTags>
   <Name>Two rows</Name>
   <PpLayout>32</PpLayout>
   <Index>13</Index>
 </p4ppTags>
 </file>
 
-<file path=customXml/item10.xml><?xml version="1.0" encoding="utf-8"?>
+<file path=customXml/item11.xml><?xml version="1.0" encoding="utf-8"?>
 <p4ppTags>
-  <Name>Four objects</Name>
-  <PpLayout>24</PpLayout>
-  <Index>15</Index>
+  <Name>Two rows + Navigation</Name>
+  <PpLayout>32</PpLayout>
+  <Index>21</Index>
 </p4ppTags>
 </file>
 
-<file path=customXml/item11.xml><?xml version="1.0" encoding="utf-8"?>
+<file path=customXml/item12.xml><?xml version="1.0" encoding="utf-8"?>
 <p:properties xmlns:p="http://schemas.microsoft.com/office/2006/metadata/properties" xmlns:xsi="http://www.w3.org/2001/XMLSchema-instance" xmlns:pc="http://schemas.microsoft.com/office/infopath/2007/PartnerControls">
   <documentManagement/>
 </p:properties>
 </file>
 
-<file path=customXml/item12.xml><?xml version="1.0" encoding="utf-8"?>
+<file path=customXml/item13.xml><?xml version="1.0" encoding="utf-8"?>
+<p4ppTags/>
+</file>
+
+<file path=customXml/item14.xml><?xml version="1.0" encoding="utf-8"?>
 <p4ppTags>
-  <Name>Text + Index</Name>
-  <PpLayout>32</PpLayout>
-  <Index>8</Index>
+  <Name>One object (large)</Name>
+  <PpLayout>16</PpLayout>
+  <Index>10</Index>
 </p4ppTags>
 </file>
 
-<file path=customXml/item13.xml><?xml version="1.0" encoding="utf-8"?>
+<file path=customXml/item15.xml><?xml version="1.0" encoding="utf-8"?>
 <p4ppTags>
-  <Name>One object (small) + Navigation</Name>
-  <PpLayout>32</PpLayout>
-  <Index>18</Index>
+  <Name>Two columns</Name>
+  <PpLayout>29</PpLayout>
+  <Index>12</Index>
 </p4ppTags>
 </file>
 
-<file path=customXml/item14.xml><?xml version="1.0" encoding="utf-8"?>
+<file path=customXml/item16.xml><?xml version="1.0" encoding="utf-8"?>
 <p4ppTags>
   <Name>Three columns + Navigation</Name>
   <PpLayout>32</PpLayout>
@@ -18876,305 +18888,7 @@
 </p4ppTags>
 </file>
 
-<file path=customXml/item15.xml><?xml version="1.0" encoding="utf-8"?>
-<p4ppTags>
-  <Name>One object (small) + Navigation</Name>
-  <PpLayout>32</PpLayout>
-  <Index>18</Index>
-</p4ppTags>
-</file>
-
-<file path=customXml/item16.xml><?xml version="1.0" encoding="utf-8"?>
-<p4ppTags>
-  <Name>Text + Index</Name>
-  <PpLayout>32</PpLayout>
-  <Index>8</Index>
-</p4ppTags>
-</file>
-
 <file path=customXml/item17.xml><?xml version="1.0" encoding="utf-8"?>
-<p4ppTags>
-  <Name>One object (large)</Name>
-  <PpLayout>16</PpLayout>
-  <Index>10</Index>
-</p4ppTags>
-</file>
-
-<file path=customXml/item18.xml><?xml version="1.0" encoding="utf-8"?>
-<p4ppTags>
-  <Name>Four objects</Name>
-  <PpLayout>24</PpLayout>
-  <Index>15</Index>
-</p4ppTags>
-</file>
-
-<file path=customXml/item19.xml><?xml version="1.0" encoding="utf-8"?>
-<p4ppTags/>
-</file>
-
-<file path=customXml/item2.xml><?xml version="1.0" encoding="utf-8"?>
-<p4ppTags>
-  <Name>One object (large) + Navigation</Name>
-  <PpLayout>32</PpLayout>
-  <Index>17</Index>
-</p4ppTags>
-</file>
-
-<file path=customXml/item20.xml><?xml version="1.0" encoding="utf-8"?>
-<p4ppTags>
-  <Name>One object (large) + Navigation</Name>
-  <PpLayout>32</PpLayout>
-  <Index>17</Index>
-</p4ppTags>
-</file>
-
-<file path=customXml/item21.xml><?xml version="1.0" encoding="utf-8"?>
-<p4ppTags>
-  <Name>Text + Index</Name>
-  <PpLayout>32</PpLayout>
-  <Index>8</Index>
-</p4ppTags>
-</file>
-
-<file path=customXml/item22.xml><?xml version="1.0" encoding="utf-8"?>
-<p4ppTags>
-  <Name>One object (small)</Name>
-  <PpLayout>16</PpLayout>
-  <Index>11</Index>
-</p4ppTags>
-</file>
-
-<file path=customXml/item23.xml><?xml version="1.0" encoding="utf-8"?>
-<p4ppTags>
-  <Name>One object (large)</Name>
-  <PpLayout>16</PpLayout>
-  <Index>10</Index>
-</p4ppTags>
-</file>
-
-<file path=customXml/item24.xml><?xml version="1.0" encoding="utf-8"?>
-<p4ppTags/>
-</file>
-
-<file path=customXml/item25.xml><?xml version="1.0" encoding="utf-8"?>
-<p4ppTags>
-  <Name>One object (large) + Navigation</Name>
-  <PpLayout>32</PpLayout>
-  <Index>17</Index>
-</p4ppTags>
-</file>
-
-<file path=customXml/item26.xml><?xml version="1.0" encoding="utf-8"?>
-<p4ppTags>
-  <Name>Four objects</Name>
-  <PpLayout>24</PpLayout>
-  <Index>15</Index>
-</p4ppTags>
-</file>
-
-<file path=customXml/item27.xml><?xml version="1.0" encoding="utf-8"?>
-<p4ppTags>
-  <Name>Free Content</Name>
-  <PpLayout>11</PpLayout>
-  <Index>9</Index>
-</p4ppTags>
-</file>
-
-<file path=customXml/item28.xml><?xml version="1.0" encoding="utf-8"?>
-<p4ppTags>
-  <Name>Free Content + Navigation</Name>
-  <PpLayout>32</PpLayout>
-  <Index>16</Index>
-</p4ppTags>
-</file>
-
-<file path=customXml/item29.xml><?xml version="1.0" encoding="utf-8"?>
-<p4ppTags>
-  <Name>Four objects</Name>
-  <PpLayout>24</PpLayout>
-  <Index>15</Index>
-</p4ppTags>
-</file>
-
-<file path=customXml/item3.xml><?xml version="1.0" encoding="utf-8"?>
-<p4ppTags>
-  <Name>Three columns</Name>
-  <PpLayout>32</PpLayout>
-  <Index>14</Index>
-</p4ppTags>
-</file>
-
-<file path=customXml/item30.xml><?xml version="1.0" encoding="utf-8"?>
-<p4ppTags>
-  <Name>Two rows + Navigation</Name>
-  <PpLayout>32</PpLayout>
-  <Index>21</Index>
-</p4ppTags>
-</file>
-
-<file path=customXml/item31.xml><?xml version="1.0" encoding="utf-8"?>
-<p4ppTags>
-  <Name>Two columns + Navigation</Name>
-  <PpLayout>32</PpLayout>
-  <Index>19</Index>
-</p4ppTags>
-</file>
-
-<file path=customXml/item32.xml><?xml version="1.0" encoding="utf-8"?>
-<p4ppTags>
-  <Name>One object (large)</Name>
-  <PpLayout>16</PpLayout>
-  <Index>10</Index>
-</p4ppTags>
-</file>
-
-<file path=customXml/item33.xml><?xml version="1.0" encoding="utf-8"?>
-<p4ppTags>
-  <Name>Two columns + Navigation</Name>
-  <PpLayout>32</PpLayout>
-  <Index>19</Index>
-</p4ppTags>
-</file>
-
-<file path=customXml/item34.xml><?xml version="1.0" encoding="utf-8"?>
-<p4ppTags>
-  <Name>One object (small) + Navigation</Name>
-  <PpLayout>32</PpLayout>
-  <Index>18</Index>
-</p4ppTags>
-</file>
-
-<file path=customXml/item35.xml><?xml version="1.0" encoding="utf-8"?>
-<p4ppTags>
-  <Name>Free Content</Name>
-  <PpLayout>11</PpLayout>
-  <Index>9</Index>
-</p4ppTags>
-</file>
-
-<file path=customXml/item36.xml><?xml version="1.0" encoding="utf-8"?>
-<p4ppTags>
-  <Name>Free Content + Navigation</Name>
-  <PpLayout>32</PpLayout>
-  <Index>16</Index>
-</p4ppTags>
-</file>
-
-<file path=customXml/item37.xml><?xml version="1.0" encoding="utf-8"?>
-<p4ppTags>
-  <Name>Two columns</Name>
-  <PpLayout>29</PpLayout>
-  <Index>12</Index>
-</p4ppTags>
-</file>
-
-<file path=customXml/item38.xml><?xml version="1.0" encoding="utf-8"?>
-<?mso-contentType ?>
-<spe:Receivers xmlns:spe="http://schemas.microsoft.com/sharepoint/events">
-  <Receiver>
-    <Name>Document ID Generator</Name>
-    <Synchronization>Synchronous</Synchronization>
-    <Type>10001</Type>
-    <SequenceNumber>1000</SequenceNumber>
-    <Url/>
-    <Assembly>Microsoft.Office.DocumentManagement, Version=16.0.0.0, Culture=neutral, PublicKeyToken=71e9bce111e9429c</Assembly>
-    <Class>Microsoft.Office.DocumentManagement.Internal.DocIdHandler</Class>
-    <Data/>
-    <Filter/>
-  </Receiver>
-  <Receiver>
-    <Name>Document ID Generator</Name>
-    <Synchronization>Synchronous</Synchronization>
-    <Type>10002</Type>
-    <SequenceNumber>1001</SequenceNumber>
-    <Url/>
-    <Assembly>Microsoft.Office.DocumentManagement, Version=16.0.0.0, Culture=neutral, PublicKeyToken=71e9bce111e9429c</Assembly>
-    <Class>Microsoft.Office.DocumentManagement.Internal.DocIdHandler</Class>
-    <Data/>
-    <Filter/>
-  </Receiver>
-  <Receiver>
-    <Name>Document ID Generator</Name>
-    <Synchronization>Synchronous</Synchronization>
-    <Type>10004</Type>
-    <SequenceNumber>1002</SequenceNumber>
-    <Url/>
-    <Assembly>Microsoft.Office.DocumentManagement, Version=16.0.0.0, Culture=neutral, PublicKeyToken=71e9bce111e9429c</Assembly>
-    <Class>Microsoft.Office.DocumentManagement.Internal.DocIdHandler</Class>
-    <Data/>
-    <Filter/>
-  </Receiver>
-  <Receiver>
-    <Name>Document ID Generator</Name>
-    <Synchronization>Synchronous</Synchronization>
-    <Type>10006</Type>
-    <SequenceNumber>1003</SequenceNumber>
-    <Url/>
-    <Assembly>Microsoft.Office.DocumentManagement, Version=16.0.0.0, Culture=neutral, PublicKeyToken=71e9bce111e9429c</Assembly>
-    <Class>Microsoft.Office.DocumentManagement.Internal.DocIdHandler</Class>
-    <Data/>
-    <Filter/>
-  </Receiver>
-</spe:Receivers>
-</file>
-
-<file path=customXml/item39.xml><?xml version="1.0" encoding="utf-8"?>
-<p4ppTags>
-  <Name>Free Content + Navigation</Name>
-  <PpLayout>32</PpLayout>
-  <Index>16</Index>
-</p4ppTags>
-</file>
-
-<file path=customXml/item4.xml><?xml version="1.0" encoding="utf-8"?>
-<p4ppTags>
-  <Name>Three columns</Name>
-  <PpLayout>32</PpLayout>
-  <Index>14</Index>
-</p4ppTags>
-</file>
-
-<file path=customXml/item40.xml><?xml version="1.0" encoding="utf-8"?>
-<p4ppTags>
-  <Name>Three columns + Navigation</Name>
-  <PpLayout>32</PpLayout>
-  <Index>20</Index>
-</p4ppTags>
-</file>
-
-<file path=customXml/item41.xml><?xml version="1.0" encoding="utf-8"?>
-<p4ppTags>
-  <Name>Two rows</Name>
-  <PpLayout>32</PpLayout>
-  <Index>13</Index>
-</p4ppTags>
-</file>
-
-<file path=customXml/item42.xml><?xml version="1.0" encoding="utf-8"?>
-<p4ppTags>
-  <Name>Four objects + Navigation</Name>
-  <PpLayout>32</PpLayout>
-  <Index>22</Index>
-</p4ppTags>
-</file>
-
-<file path=customXml/item43.xml><?xml version="1.0" encoding="utf-8"?>
-<p4ppTags>
-  <Name>One object (small) + Navigation</Name>
-  <PpLayout>32</PpLayout>
-  <Index>18</Index>
-</p4ppTags>
-</file>
-
-<file path=customXml/item44.xml><?xml version="1.0" encoding="utf-8"?>
-<p4ppTags>
-  <Name>Two columns</Name>
-  <PpLayout>29</PpLayout>
-  <Index>12</Index>
-</p4ppTags>
-</file>
-
-<file path=customXml/item45.xml><?xml version="1.0" encoding="utf-8"?>
 <ct:contentTypeSchema xmlns:ct="http://schemas.microsoft.com/office/2006/metadata/contentType" xmlns:ma="http://schemas.microsoft.com/office/2006/metadata/properties/metaAttributes" ct:_="" ma:_="" ma:contentTypeName="Bild" ma:contentTypeID="0x01010200D475E06177B9A440B36E9419FABAEDF7" ma:contentTypeVersion="10" ma:contentTypeDescription="Ein Bild oder eine Fotografie hochladen." ma:contentTypeScope="" ma:versionID="f3c7e6176f11a34c6829d4b5d0eaaa64">
   <xsd:schema xmlns:xsd="http://www.w3.org/2001/XMLSchema" xmlns:xs="http://www.w3.org/2001/XMLSchema" xmlns:p="http://schemas.microsoft.com/office/2006/metadata/properties" xmlns:ns1="http://schemas.microsoft.com/sharepoint/v3" xmlns:ns2="d8b6b5ec-a6fc-4496-9470-5ce735c4661f" xmlns:ns3="a7979c99-deba-4b7a-b3f3-730b3f773bf5" targetNamespace="http://schemas.microsoft.com/office/2006/metadata/properties" ma:root="true" ma:fieldsID="90fa8a48c43eabf798b5a69d18fa7887" ns1:_="" ns2:_="" ns3:_="">
     <xsd:import namespace="http://schemas.microsoft.com/sharepoint/v3"/>
@@ -19392,7 +19106,55 @@
 </ct:contentTypeSchema>
 </file>
 
-<file path=customXml/item46.xml><?xml version="1.0" encoding="utf-8"?>
+<file path=customXml/item18.xml><?xml version="1.0" encoding="utf-8"?>
+<p4ppTags>
+  <Name>Four objects + Navigation</Name>
+  <PpLayout>32</PpLayout>
+  <Index>22</Index>
+</p4ppTags>
+</file>
+
+<file path=customXml/item19.xml><?xml version="1.0" encoding="utf-8"?>
+<p4ppTags>
+  <Name>One object (small) + Navigation</Name>
+  <PpLayout>32</PpLayout>
+  <Index>18</Index>
+</p4ppTags>
+</file>
+
+<file path=customXml/item2.xml><?xml version="1.0" encoding="utf-8"?>
+<p4ppTags>
+  <Name>Four objects + Navigation</Name>
+  <PpLayout>32</PpLayout>
+  <Index>22</Index>
+</p4ppTags>
+</file>
+
+<file path=customXml/item20.xml><?xml version="1.0" encoding="utf-8"?>
+<p4ppTags>
+  <Name>One object (large)</Name>
+  <PpLayout>16</PpLayout>
+  <Index>10</Index>
+</p4ppTags>
+</file>
+
+<file path=customXml/item21.xml><?xml version="1.0" encoding="utf-8"?>
+<p4ppTags>
+  <Name>Free Content + Navigation</Name>
+  <PpLayout>32</PpLayout>
+  <Index>16</Index>
+</p4ppTags>
+</file>
+
+<file path=customXml/item22.xml><?xml version="1.0" encoding="utf-8"?>
+<p4ppTags>
+  <Name>Free Content + Navigation</Name>
+  <PpLayout>32</PpLayout>
+  <Index>16</Index>
+</p4ppTags>
+</file>
+
+<file path=customXml/item23.xml><?xml version="1.0" encoding="utf-8"?>
 <p4ppTags>
   <Name>Text + Index</Name>
   <PpLayout>32</PpLayout>
@@ -19400,7 +19162,109 @@
 </p4ppTags>
 </file>
 
-<file path=customXml/item47.xml><?xml version="1.0" encoding="utf-8"?>
+<file path=customXml/item24.xml><?xml version="1.0" encoding="utf-8"?>
+<p4ppTags>
+  <Name>Four objects</Name>
+  <PpLayout>24</PpLayout>
+  <Index>15</Index>
+</p4ppTags>
+</file>
+
+<file path=customXml/item25.xml><?xml version="1.0" encoding="utf-8"?>
+<p4ppTags/>
+</file>
+
+<file path=customXml/item26.xml><?xml version="1.0" encoding="utf-8"?>
+<p4ppTags>
+  <Name>Two columns + Navigation</Name>
+  <PpLayout>32</PpLayout>
+  <Index>19</Index>
+</p4ppTags>
+</file>
+
+<file path=customXml/item27.xml><?xml version="1.0" encoding="utf-8"?>
+<p4ppTags>
+  <Name>Two columns</Name>
+  <PpLayout>29</PpLayout>
+  <Index>12</Index>
+</p4ppTags>
+</file>
+
+<file path=customXml/item28.xml><?xml version="1.0" encoding="utf-8"?>
+<p4ppTags>
+  <Name>Three columns</Name>
+  <PpLayout>32</PpLayout>
+  <Index>14</Index>
+</p4ppTags>
+</file>
+
+<file path=customXml/item29.xml><?xml version="1.0" encoding="utf-8"?>
+<p:properties xmlns:p="http://schemas.microsoft.com/office/2006/metadata/properties" xmlns:xsi="http://www.w3.org/2001/XMLSchema-instance" xmlns:pc="http://schemas.microsoft.com/office/infopath/2007/PartnerControls">
+  <documentManagement>
+    <AlternateThumbnailUrl xmlns="http://schemas.microsoft.com/sharepoint/v3">
+      <Url xsi:nil="true"/>
+      <Description xsi:nil="true"/>
+    </AlternateThumbnailUrl>
+    <ImageCreateDate xmlns="http://schemas.microsoft.com/sharepoint/v3" xsi:nil="true"/>
+    <Description xmlns="http://schemas.microsoft.com/sharepoint/v3" xsi:nil="true"/>
+  </documentManagement>
+</p:properties>
+</file>
+
+<file path=customXml/item3.xml><?xml version="1.0" encoding="utf-8"?>
+<?mso-contentType ?>
+<FormTemplates xmlns="http://schemas.microsoft.com/sharepoint/v3/contenttype/forms"/>
+</file>
+
+<file path=customXml/item30.xml><?xml version="1.0" encoding="utf-8"?>
+<p4ppTags>
+  <Name>Three columns + Navigation</Name>
+  <PpLayout>32</PpLayout>
+  <Index>20</Index>
+</p4ppTags>
+</file>
+
+<file path=customXml/item31.xml><?xml version="1.0" encoding="utf-8"?>
+<p4ppTags>
+  <Name>One object (small)</Name>
+  <PpLayout>16</PpLayout>
+  <Index>11</Index>
+</p4ppTags>
+</file>
+
+<file path=customXml/item32.xml><?xml version="1.0" encoding="utf-8"?>
+<p4ppTags>
+  <Name>Free Content</Name>
+  <PpLayout>11</PpLayout>
+  <Index>9</Index>
+</p4ppTags>
+</file>
+
+<file path=customXml/item33.xml><?xml version="1.0" encoding="utf-8"?>
+<p4ppTags>
+  <Name>Two rows + Navigation</Name>
+  <PpLayout>32</PpLayout>
+  <Index>21</Index>
+</p4ppTags>
+</file>
+
+<file path=customXml/item34.xml><?xml version="1.0" encoding="utf-8"?>
+<p4ppTags>
+  <Name>Free Content</Name>
+  <PpLayout>11</PpLayout>
+  <Index>9</Index>
+</p4ppTags>
+</file>
+
+<file path=customXml/item35.xml><?xml version="1.0" encoding="utf-8"?>
+<p4ppTags>
+  <Name>One object (small) + Navigation</Name>
+  <PpLayout>32</PpLayout>
+  <Index>18</Index>
+</p4ppTags>
+</file>
+
+<file path=customXml/item36.xml><?xml version="1.0" encoding="utf-8"?>
 <p4ppTags>
   <Name>Four objects + Navigation</Name>
   <PpLayout>32</PpLayout>
@@ -19408,11 +19272,149 @@
 </p4ppTags>
 </file>
 
+<file path=customXml/item37.xml><?xml version="1.0" encoding="utf-8"?>
+<p4ppTags>
+  <Name>Free Content</Name>
+  <PpLayout>11</PpLayout>
+  <Index>9</Index>
+</p4ppTags>
+</file>
+
+<file path=customXml/item38.xml><?xml version="1.0" encoding="utf-8"?>
+<p4ppTags>
+  <Name>Three columns</Name>
+  <PpLayout>32</PpLayout>
+  <Index>14</Index>
+</p4ppTags>
+</file>
+
+<file path=customXml/item39.xml><?xml version="1.0" encoding="utf-8"?>
+<p4ppTags>
+  <Name>Text + Index</Name>
+  <PpLayout>32</PpLayout>
+  <Index>8</Index>
+</p4ppTags>
+</file>
+
+<file path=customXml/item4.xml><?xml version="1.0" encoding="utf-8"?>
+<p4ppTags>
+  <Name>One object (small)</Name>
+  <PpLayout>16</PpLayout>
+  <Index>11</Index>
+</p4ppTags>
+</file>
+
+<file path=customXml/item40.xml><?xml version="1.0" encoding="utf-8"?>
+<p4ppTags>
+  <Name>One object (large)</Name>
+  <PpLayout>16</PpLayout>
+  <Index>10</Index>
+</p4ppTags>
+</file>
+
+<file path=customXml/item41.xml><?xml version="1.0" encoding="utf-8"?>
+<p4ppTags>
+  <Name>One object (large) + Navigation</Name>
+  <PpLayout>32</PpLayout>
+  <Index>17</Index>
+</p4ppTags>
+</file>
+
+<file path=customXml/item42.xml><?xml version="1.0" encoding="utf-8"?>
+<p4ppTags>
+  <Name>Two columns + Navigation</Name>
+  <PpLayout>32</PpLayout>
+  <Index>19</Index>
+</p4ppTags>
+</file>
+
+<file path=customXml/item43.xml><?xml version="1.0" encoding="utf-8"?>
+<?mso-contentType ?>
+<spe:Receivers xmlns:spe="http://schemas.microsoft.com/sharepoint/events">
+  <Receiver>
+    <Name>Document ID Generator</Name>
+    <Synchronization>Synchronous</Synchronization>
+    <Type>10001</Type>
+    <SequenceNumber>1000</SequenceNumber>
+    <Url/>
+    <Assembly>Microsoft.Office.DocumentManagement, Version=16.0.0.0, Culture=neutral, PublicKeyToken=71e9bce111e9429c</Assembly>
+    <Class>Microsoft.Office.DocumentManagement.Internal.DocIdHandler</Class>
+    <Data/>
+    <Filter/>
+  </Receiver>
+  <Receiver>
+    <Name>Document ID Generator</Name>
+    <Synchronization>Synchronous</Synchronization>
+    <Type>10002</Type>
+    <SequenceNumber>1001</SequenceNumber>
+    <Url/>
+    <Assembly>Microsoft.Office.DocumentManagement, Version=16.0.0.0, Culture=neutral, PublicKeyToken=71e9bce111e9429c</Assembly>
+    <Class>Microsoft.Office.DocumentManagement.Internal.DocIdHandler</Class>
+    <Data/>
+    <Filter/>
+  </Receiver>
+  <Receiver>
+    <Name>Document ID Generator</Name>
+    <Synchronization>Synchronous</Synchronization>
+    <Type>10004</Type>
+    <SequenceNumber>1002</SequenceNumber>
+    <Url/>
+    <Assembly>Microsoft.Office.DocumentManagement, Version=16.0.0.0, Culture=neutral, PublicKeyToken=71e9bce111e9429c</Assembly>
+    <Class>Microsoft.Office.DocumentManagement.Internal.DocIdHandler</Class>
+    <Data/>
+    <Filter/>
+  </Receiver>
+  <Receiver>
+    <Name>Document ID Generator</Name>
+    <Synchronization>Synchronous</Synchronization>
+    <Type>10006</Type>
+    <SequenceNumber>1003</SequenceNumber>
+    <Url/>
+    <Assembly>Microsoft.Office.DocumentManagement, Version=16.0.0.0, Culture=neutral, PublicKeyToken=71e9bce111e9429c</Assembly>
+    <Class>Microsoft.Office.DocumentManagement.Internal.DocIdHandler</Class>
+    <Data/>
+    <Filter/>
+  </Receiver>
+</spe:Receivers>
+</file>
+
+<file path=customXml/item44.xml><?xml version="1.0" encoding="utf-8"?>
+<p4ppTags>
+  <Name>Text + Index</Name>
+  <PpLayout>32</PpLayout>
+  <Index>8</Index>
+</p4ppTags>
+</file>
+
+<file path=customXml/item45.xml><?xml version="1.0" encoding="utf-8"?>
+<p4ppTags>
+  <Name>One object (small) + Navigation</Name>
+  <PpLayout>32</PpLayout>
+  <Index>18</Index>
+</p4ppTags>
+</file>
+
+<file path=customXml/item46.xml><?xml version="1.0" encoding="utf-8"?>
+<p4ppTags>
+  <Name>Four objects</Name>
+  <PpLayout>24</PpLayout>
+  <Index>15</Index>
+</p4ppTags>
+</file>
+
+<file path=customXml/item47.xml><?xml version="1.0" encoding="utf-8"?>
+<p4ppTags>
+  <Name>Four objects</Name>
+  <PpLayout>24</PpLayout>
+  <Index>15</Index>
+</p4ppTags>
+</file>
+
 <file path=customXml/item48.xml><?xml version="1.0" encoding="utf-8"?>
 <p4ppTags>
-  <Name>Four objects + Navigation</Name>
+  <Name>Free Content + Navigation</Name>
   <PpLayout>32</PpLayout>
-  <Index>22</Index>
+  <Index>16</Index>
 </p4ppTags>
 </file>
 
@@ -19426,303 +19428,113 @@
 
 <file path=customXml/item5.xml><?xml version="1.0" encoding="utf-8"?>
 <p4ppTags>
-  <Name>Four objects + Navigation</Name>
+  <Name>One object (large) + Navigation</Name>
   <PpLayout>32</PpLayout>
-  <Index>22</Index>
+  <Index>17</Index>
 </p4ppTags>
 </file>
 
 <file path=customXml/item50.xml><?xml version="1.0" encoding="utf-8"?>
-<?mso-contentType ?>
-<FormTemplates xmlns="http://schemas.microsoft.com/sharepoint/v3/contenttype/forms"/>
+<p4ppTags>
+  <Name>One object (small) + Navigation</Name>
+  <PpLayout>32</PpLayout>
+  <Index>18</Index>
+</p4ppTags>
 </file>
 
 <file path=customXml/item6.xml><?xml version="1.0" encoding="utf-8"?>
 <p4ppTags>
-  <Name>Two rows + Navigation</Name>
+  <Name>Text + Index</Name>
   <PpLayout>32</PpLayout>
-  <Index>21</Index>
+  <Index>8</Index>
 </p4ppTags>
 </file>
 
 <file path=customXml/item7.xml><?xml version="1.0" encoding="utf-8"?>
 <p4ppTags>
-  <Name>One object (small)</Name>
-  <PpLayout>16</PpLayout>
-  <Index>11</Index>
+  <Name>One object (large) + Navigation</Name>
+  <PpLayout>32</PpLayout>
+  <Index>17</Index>
 </p4ppTags>
 </file>
 
 <file path=customXml/item8.xml><?xml version="1.0" encoding="utf-8"?>
 <p4ppTags>
-  <Name>Free Content</Name>
-  <PpLayout>11</PpLayout>
-  <Index>9</Index>
+  <Name>Four objects</Name>
+  <PpLayout>24</PpLayout>
+  <Index>15</Index>
 </p4ppTags>
 </file>
 
 <file path=customXml/item9.xml><?xml version="1.0" encoding="utf-8"?>
-<p:properties xmlns:p="http://schemas.microsoft.com/office/2006/metadata/properties" xmlns:xsi="http://www.w3.org/2001/XMLSchema-instance" xmlns:pc="http://schemas.microsoft.com/office/infopath/2007/PartnerControls">
-  <documentManagement>
-    <AlternateThumbnailUrl xmlns="http://schemas.microsoft.com/sharepoint/v3">
-      <Url xsi:nil="true"/>
-      <Description xsi:nil="true"/>
-    </AlternateThumbnailUrl>
-    <ImageCreateDate xmlns="http://schemas.microsoft.com/sharepoint/v3" xsi:nil="true"/>
-    <Description xmlns="http://schemas.microsoft.com/sharepoint/v3" xsi:nil="true"/>
-  </documentManagement>
-</p:properties>
+<p4ppTags>
+  <Name>Two rows</Name>
+  <PpLayout>32</PpLayout>
+  <Index>13</Index>
+</p4ppTags>
 </file>
 
 <file path=customXml/itemProps1.xml><?xml version="1.0" encoding="utf-8"?>
+<ds:datastoreItem xmlns:ds="http://schemas.openxmlformats.org/officeDocument/2006/customXml" ds:itemID="{EAB520BC-C6EC-457E-8AB5-55DB67C86858}">
+  <ds:schemaRefs/>
+</ds:datastoreItem>
+</file>
+
+<file path=customXml/itemProps10.xml><?xml version="1.0" encoding="utf-8"?>
 <ds:datastoreItem xmlns:ds="http://schemas.openxmlformats.org/officeDocument/2006/customXml" ds:itemID="{38AB8DE4-FD9B-4166-BEC3-3F1753596133}">
   <ds:schemaRefs/>
 </ds:datastoreItem>
 </file>
 
-<file path=customXml/itemProps10.xml><?xml version="1.0" encoding="utf-8"?>
-<ds:datastoreItem xmlns:ds="http://schemas.openxmlformats.org/officeDocument/2006/customXml" ds:itemID="{1581BFFB-B4CE-47A8-BE77-DC1339B1E5A7}">
+<file path=customXml/itemProps11.xml><?xml version="1.0" encoding="utf-8"?>
+<ds:datastoreItem xmlns:ds="http://schemas.openxmlformats.org/officeDocument/2006/customXml" ds:itemID="{6C79E4F8-DCFB-483C-880A-AEEC6AAFC838}">
   <ds:schemaRefs/>
 </ds:datastoreItem>
 </file>
 
-<file path=customXml/itemProps11.xml><?xml version="1.0" encoding="utf-8"?>
+<file path=customXml/itemProps12.xml><?xml version="1.0" encoding="utf-8"?>
 <ds:datastoreItem xmlns:ds="http://schemas.openxmlformats.org/officeDocument/2006/customXml" ds:itemID="{31508D28-3564-4A34-9FA2-BC4724A768B3}">
   <ds:schemaRefs>
+    <ds:schemaRef ds:uri="http://schemas.microsoft.com/office/2006/documentManagement/types"/>
+    <ds:schemaRef ds:uri="http://schemas.openxmlformats.org/package/2006/metadata/core-properties"/>
+    <ds:schemaRef ds:uri="http://purl.org/dc/elements/1.1/"/>
+    <ds:schemaRef ds:uri="http://schemas.microsoft.com/office/infopath/2007/PartnerControls"/>
+    <ds:schemaRef ds:uri="d8b6b5ec-a6fc-4496-9470-5ce735c4661f"/>
     <ds:schemaRef ds:uri="http://schemas.microsoft.com/office/2006/metadata/properties"/>
+    <ds:schemaRef ds:uri="http://purl.org/dc/terms/"/>
+    <ds:schemaRef ds:uri="http://schemas.microsoft.com/sharepoint/v3"/>
+    <ds:schemaRef ds:uri="a7979c99-deba-4b7a-b3f3-730b3f773bf5"/>
+    <ds:schemaRef ds:uri="http://www.w3.org/XML/1998/namespace"/>
     <ds:schemaRef ds:uri="http://purl.org/dc/dcmitype/"/>
-    <ds:schemaRef ds:uri="http://purl.org/dc/elements/1.1/"/>
-    <ds:schemaRef ds:uri="http://schemas.microsoft.com/office/2006/documentManagement/types"/>
-    <ds:schemaRef ds:uri="http://purl.org/dc/terms/"/>
-    <ds:schemaRef ds:uri="http://schemas.microsoft.com/office/infopath/2007/PartnerControls"/>
-    <ds:schemaRef ds:uri="http://schemas.openxmlformats.org/package/2006/metadata/core-properties"/>
-    <ds:schemaRef ds:uri="a7979c99-deba-4b7a-b3f3-730b3f773bf5"/>
-    <ds:schemaRef ds:uri="d8b6b5ec-a6fc-4496-9470-5ce735c4661f"/>
-    <ds:schemaRef ds:uri="http://schemas.microsoft.com/sharepoint/v3"/>
-    <ds:schemaRef ds:uri="http://www.w3.org/XML/1998/namespace"/>
   </ds:schemaRefs>
 </ds:datastoreItem>
 </file>
 
-<file path=customXml/itemProps12.xml><?xml version="1.0" encoding="utf-8"?>
-<ds:datastoreItem xmlns:ds="http://schemas.openxmlformats.org/officeDocument/2006/customXml" ds:itemID="{F26BF11F-11CE-4468-9B29-5381BA3896EF}">
-  <ds:schemaRefs/>
-</ds:datastoreItem>
-</file>
-
 <file path=customXml/itemProps13.xml><?xml version="1.0" encoding="utf-8"?>
-<ds:datastoreItem xmlns:ds="http://schemas.openxmlformats.org/officeDocument/2006/customXml" ds:itemID="{D46F0270-1190-4E3E-ADC0-A4C89DC6A23D}">
+<ds:datastoreItem xmlns:ds="http://schemas.openxmlformats.org/officeDocument/2006/customXml" ds:itemID="{572FBA73-6DBF-45DA-8282-9342320CFAB0}">
   <ds:schemaRefs/>
 </ds:datastoreItem>
 </file>
 
 <file path=customXml/itemProps14.xml><?xml version="1.0" encoding="utf-8"?>
-<ds:datastoreItem xmlns:ds="http://schemas.openxmlformats.org/officeDocument/2006/customXml" ds:itemID="{85D77EE6-52B7-48BE-9EDB-748F1EBB53DE}">
+<ds:datastoreItem xmlns:ds="http://schemas.openxmlformats.org/officeDocument/2006/customXml" ds:itemID="{80661B8B-A327-44F9-823B-4D9EE0B3EC78}">
   <ds:schemaRefs/>
 </ds:datastoreItem>
 </file>
 
 <file path=customXml/itemProps15.xml><?xml version="1.0" encoding="utf-8"?>
-<ds:datastoreItem xmlns:ds="http://schemas.openxmlformats.org/officeDocument/2006/customXml" ds:itemID="{B9FD75A0-8963-4268-8BB2-68319927415D}">
+<ds:datastoreItem xmlns:ds="http://schemas.openxmlformats.org/officeDocument/2006/customXml" ds:itemID="{7EC9F8E0-B44B-4294-99D1-9A61D90AFA57}">
   <ds:schemaRefs/>
 </ds:datastoreItem>
 </file>
 
 <file path=customXml/itemProps16.xml><?xml version="1.0" encoding="utf-8"?>
-<ds:datastoreItem xmlns:ds="http://schemas.openxmlformats.org/officeDocument/2006/customXml" ds:itemID="{8E679A1C-59DF-447D-B1B5-4292F99625CE}">
+<ds:datastoreItem xmlns:ds="http://schemas.openxmlformats.org/officeDocument/2006/customXml" ds:itemID="{604A1C26-2A7F-4716-AC37-CF66CF17A178}">
   <ds:schemaRefs/>
 </ds:datastoreItem>
 </file>
 
 <file path=customXml/itemProps17.xml><?xml version="1.0" encoding="utf-8"?>
-<ds:datastoreItem xmlns:ds="http://schemas.openxmlformats.org/officeDocument/2006/customXml" ds:itemID="{A0DA68F1-0C27-4B9B-8770-063E2F0245F0}">
-  <ds:schemaRefs/>
-</ds:datastoreItem>
-</file>
-
-<file path=customXml/itemProps18.xml><?xml version="1.0" encoding="utf-8"?>
-<ds:datastoreItem xmlns:ds="http://schemas.openxmlformats.org/officeDocument/2006/customXml" ds:itemID="{2286C891-E1E5-489F-89C3-7EF132500CA1}">
-  <ds:schemaRefs/>
-</ds:datastoreItem>
-</file>
-
-<file path=customXml/itemProps19.xml><?xml version="1.0" encoding="utf-8"?>
-<ds:datastoreItem xmlns:ds="http://schemas.openxmlformats.org/officeDocument/2006/customXml" ds:itemID="{1674DD19-E9FE-471B-AB71-6AEABBC9F9E0}">
-  <ds:schemaRefs/>
-</ds:datastoreItem>
-</file>
-
-<file path=customXml/itemProps2.xml><?xml version="1.0" encoding="utf-8"?>
-<ds:datastoreItem xmlns:ds="http://schemas.openxmlformats.org/officeDocument/2006/customXml" ds:itemID="{E396ED11-9990-4631-9B63-D320ECD4883D}">
-  <ds:schemaRefs/>
-</ds:datastoreItem>
-</file>
-
-<file path=customXml/itemProps20.xml><?xml version="1.0" encoding="utf-8"?>
-<ds:datastoreItem xmlns:ds="http://schemas.openxmlformats.org/officeDocument/2006/customXml" ds:itemID="{DF06C1C7-74EE-4276-9A6B-6DB954A8A2DB}">
-  <ds:schemaRefs/>
-</ds:datastoreItem>
-</file>
-
-<file path=customXml/itemProps21.xml><?xml version="1.0" encoding="utf-8"?>
-<ds:datastoreItem xmlns:ds="http://schemas.openxmlformats.org/officeDocument/2006/customXml" ds:itemID="{E3380EE4-9761-4ED1-948E-D24773C23618}">
-  <ds:schemaRefs/>
-</ds:datastoreItem>
-</file>
-
-<file path=customXml/itemProps22.xml><?xml version="1.0" encoding="utf-8"?>
-<ds:datastoreItem xmlns:ds="http://schemas.openxmlformats.org/officeDocument/2006/customXml" ds:itemID="{4FD15F83-82E1-4EEB-AC77-C167D007E53A}">
-  <ds:schemaRefs/>
-</ds:datastoreItem>
-</file>
-
-<file path=customXml/itemProps23.xml><?xml version="1.0" encoding="utf-8"?>
-<ds:datastoreItem xmlns:ds="http://schemas.openxmlformats.org/officeDocument/2006/customXml" ds:itemID="{623A027E-FA1B-4E40-ABA3-27E1D8D5B860}">
-  <ds:schemaRefs/>
-</ds:datastoreItem>
-</file>
-
-<file path=customXml/itemProps24.xml><?xml version="1.0" encoding="utf-8"?>
-<ds:datastoreItem xmlns:ds="http://schemas.openxmlformats.org/officeDocument/2006/customXml" ds:itemID="{572FBA73-6DBF-45DA-8282-9342320CFAB0}">
-  <ds:schemaRefs/>
-</ds:datastoreItem>
-</file>
-
-<file path=customXml/itemProps25.xml><?xml version="1.0" encoding="utf-8"?>
-<ds:datastoreItem xmlns:ds="http://schemas.openxmlformats.org/officeDocument/2006/customXml" ds:itemID="{B27F640E-84DF-4F97-BC70-D045F1E6594F}">
-  <ds:schemaRefs/>
-</ds:datastoreItem>
-</file>
-
-<file path=customXml/itemProps26.xml><?xml version="1.0" encoding="utf-8"?>
-<ds:datastoreItem xmlns:ds="http://schemas.openxmlformats.org/officeDocument/2006/customXml" ds:itemID="{852B9EF6-0D64-45A5-B116-711E7B640C61}">
-  <ds:schemaRefs/>
-</ds:datastoreItem>
-</file>
-
-<file path=customXml/itemProps27.xml><?xml version="1.0" encoding="utf-8"?>
-<ds:datastoreItem xmlns:ds="http://schemas.openxmlformats.org/officeDocument/2006/customXml" ds:itemID="{1032321B-8E16-492D-B443-67716A6DC16D}">
-  <ds:schemaRefs/>
-</ds:datastoreItem>
-</file>
-
-<file path=customXml/itemProps28.xml><?xml version="1.0" encoding="utf-8"?>
-<ds:datastoreItem xmlns:ds="http://schemas.openxmlformats.org/officeDocument/2006/customXml" ds:itemID="{E989E348-BB5E-4CA7-B1F5-7E2A4307A8FD}">
-  <ds:schemaRefs/>
-</ds:datastoreItem>
-</file>
-
-<file path=customXml/itemProps29.xml><?xml version="1.0" encoding="utf-8"?>
-<ds:datastoreItem xmlns:ds="http://schemas.openxmlformats.org/officeDocument/2006/customXml" ds:itemID="{01724334-0230-43D9-A338-9A6674F7E76B}">
-  <ds:schemaRefs/>
-</ds:datastoreItem>
-</file>
-
-<file path=customXml/itemProps3.xml><?xml version="1.0" encoding="utf-8"?>
-<ds:datastoreItem xmlns:ds="http://schemas.openxmlformats.org/officeDocument/2006/customXml" ds:itemID="{15CF3461-70D1-4B54-AFAB-DAFDA0A238CD}">
-  <ds:schemaRefs/>
-</ds:datastoreItem>
-</file>
-
-<file path=customXml/itemProps30.xml><?xml version="1.0" encoding="utf-8"?>
-<ds:datastoreItem xmlns:ds="http://schemas.openxmlformats.org/officeDocument/2006/customXml" ds:itemID="{93163C92-B9EB-4DBA-828D-312DCC4C1410}">
-  <ds:schemaRefs/>
-</ds:datastoreItem>
-</file>
-
-<file path=customXml/itemProps31.xml><?xml version="1.0" encoding="utf-8"?>
-<ds:datastoreItem xmlns:ds="http://schemas.openxmlformats.org/officeDocument/2006/customXml" ds:itemID="{D7BABA95-BFFE-422B-8591-3271669EEA88}">
-  <ds:schemaRefs/>
-</ds:datastoreItem>
-</file>
-
-<file path=customXml/itemProps32.xml><?xml version="1.0" encoding="utf-8"?>
-<ds:datastoreItem xmlns:ds="http://schemas.openxmlformats.org/officeDocument/2006/customXml" ds:itemID="{80661B8B-A327-44F9-823B-4D9EE0B3EC78}">
-  <ds:schemaRefs/>
-</ds:datastoreItem>
-</file>
-
-<file path=customXml/itemProps33.xml><?xml version="1.0" encoding="utf-8"?>
-<ds:datastoreItem xmlns:ds="http://schemas.openxmlformats.org/officeDocument/2006/customXml" ds:itemID="{01BCD006-2301-4376-8C9A-0124472EE261}">
-  <ds:schemaRefs/>
-</ds:datastoreItem>
-</file>
-
-<file path=customXml/itemProps34.xml><?xml version="1.0" encoding="utf-8"?>
-<ds:datastoreItem xmlns:ds="http://schemas.openxmlformats.org/officeDocument/2006/customXml" ds:itemID="{5E396725-9907-4BEF-AED3-53B31F94D162}">
-  <ds:schemaRefs/>
-</ds:datastoreItem>
-</file>
-
-<file path=customXml/itemProps35.xml><?xml version="1.0" encoding="utf-8"?>
-<ds:datastoreItem xmlns:ds="http://schemas.openxmlformats.org/officeDocument/2006/customXml" ds:itemID="{D8097D0C-BE3E-4AEC-9593-65CFCCB19297}">
-  <ds:schemaRefs/>
-</ds:datastoreItem>
-</file>
-
-<file path=customXml/itemProps36.xml><?xml version="1.0" encoding="utf-8"?>
-<ds:datastoreItem xmlns:ds="http://schemas.openxmlformats.org/officeDocument/2006/customXml" ds:itemID="{7CC5F709-E74B-4E5F-A728-923D5062EBEF}">
-  <ds:schemaRefs/>
-</ds:datastoreItem>
-</file>
-
-<file path=customXml/itemProps37.xml><?xml version="1.0" encoding="utf-8"?>
-<ds:datastoreItem xmlns:ds="http://schemas.openxmlformats.org/officeDocument/2006/customXml" ds:itemID="{7EC9F8E0-B44B-4294-99D1-9A61D90AFA57}">
-  <ds:schemaRefs/>
-</ds:datastoreItem>
-</file>
-
-<file path=customXml/itemProps38.xml><?xml version="1.0" encoding="utf-8"?>
-<ds:datastoreItem xmlns:ds="http://schemas.openxmlformats.org/officeDocument/2006/customXml" ds:itemID="{7E1657E9-E77F-4BDB-917C-A93B8E0B9C25}">
-  <ds:schemaRefs>
-    <ds:schemaRef ds:uri="http://schemas.microsoft.com/sharepoint/events"/>
-  </ds:schemaRefs>
-</ds:datastoreItem>
-</file>
-
-<file path=customXml/itemProps39.xml><?xml version="1.0" encoding="utf-8"?>
-<ds:datastoreItem xmlns:ds="http://schemas.openxmlformats.org/officeDocument/2006/customXml" ds:itemID="{844B3BAE-C710-4301-8F19-C4939F5E6C03}">
-  <ds:schemaRefs/>
-</ds:datastoreItem>
-</file>
-
-<file path=customXml/itemProps4.xml><?xml version="1.0" encoding="utf-8"?>
-<ds:datastoreItem xmlns:ds="http://schemas.openxmlformats.org/officeDocument/2006/customXml" ds:itemID="{60452D37-A223-4B79-877E-518976911313}">
-  <ds:schemaRefs/>
-</ds:datastoreItem>
-</file>
-
-<file path=customXml/itemProps40.xml><?xml version="1.0" encoding="utf-8"?>
-<ds:datastoreItem xmlns:ds="http://schemas.openxmlformats.org/officeDocument/2006/customXml" ds:itemID="{604A1C26-2A7F-4716-AC37-CF66CF17A178}">
-  <ds:schemaRefs/>
-</ds:datastoreItem>
-</file>
-
-<file path=customXml/itemProps41.xml><?xml version="1.0" encoding="utf-8"?>
-<ds:datastoreItem xmlns:ds="http://schemas.openxmlformats.org/officeDocument/2006/customXml" ds:itemID="{01E219AD-E7E9-46A8-978F-F3D5677772F7}">
-  <ds:schemaRefs/>
-</ds:datastoreItem>
-</file>
-
-<file path=customXml/itemProps42.xml><?xml version="1.0" encoding="utf-8"?>
-<ds:datastoreItem xmlns:ds="http://schemas.openxmlformats.org/officeDocument/2006/customXml" ds:itemID="{EAB520BC-C6EC-457E-8AB5-55DB67C86858}">
-  <ds:schemaRefs/>
-</ds:datastoreItem>
-</file>
-
-<file path=customXml/itemProps43.xml><?xml version="1.0" encoding="utf-8"?>
-<ds:datastoreItem xmlns:ds="http://schemas.openxmlformats.org/officeDocument/2006/customXml" ds:itemID="{D9FE249F-833E-4CF0-BECB-552D01D7DC9E}">
-  <ds:schemaRefs/>
-</ds:datastoreItem>
-</file>
-
-<file path=customXml/itemProps44.xml><?xml version="1.0" encoding="utf-8"?>
-<ds:datastoreItem xmlns:ds="http://schemas.openxmlformats.org/officeDocument/2006/customXml" ds:itemID="{1666F4C2-68F5-4840-A44A-1A646C0925A1}">
-  <ds:schemaRefs/>
-</ds:datastoreItem>
-</file>
-
-<file path=customXml/itemProps45.xml><?xml version="1.0" encoding="utf-8"?>
 <ds:datastoreItem xmlns:ds="http://schemas.openxmlformats.org/officeDocument/2006/customXml" ds:itemID="{E9E4AF0F-8EBC-4344-B91E-5A6D61F25C15}">
   <ds:schemaRefs>
     <ds:schemaRef ds:uri="http://schemas.microsoft.com/office/2006/metadata/contentType"/>
@@ -19742,63 +19554,79 @@
 </ds:datastoreItem>
 </file>
 
-<file path=customXml/itemProps46.xml><?xml version="1.0" encoding="utf-8"?>
-<ds:datastoreItem xmlns:ds="http://schemas.openxmlformats.org/officeDocument/2006/customXml" ds:itemID="{19134194-BE48-42AD-A3BA-0F3F553401A9}">
+<file path=customXml/itemProps18.xml><?xml version="1.0" encoding="utf-8"?>
+<ds:datastoreItem xmlns:ds="http://schemas.openxmlformats.org/officeDocument/2006/customXml" ds:itemID="{8947488F-8677-4371-A7B9-A9F5E958F934}">
   <ds:schemaRefs/>
 </ds:datastoreItem>
 </file>
 
-<file path=customXml/itemProps47.xml><?xml version="1.0" encoding="utf-8"?>
+<file path=customXml/itemProps19.xml><?xml version="1.0" encoding="utf-8"?>
+<ds:datastoreItem xmlns:ds="http://schemas.openxmlformats.org/officeDocument/2006/customXml" ds:itemID="{B9FD75A0-8963-4268-8BB2-68319927415D}">
+  <ds:schemaRefs/>
+</ds:datastoreItem>
+</file>
+
+<file path=customXml/itemProps2.xml><?xml version="1.0" encoding="utf-8"?>
 <ds:datastoreItem xmlns:ds="http://schemas.openxmlformats.org/officeDocument/2006/customXml" ds:itemID="{061F0155-14B7-4732-8F16-EC26530538C0}">
   <ds:schemaRefs/>
 </ds:datastoreItem>
 </file>
 
-<file path=customXml/itemProps48.xml><?xml version="1.0" encoding="utf-8"?>
-<ds:datastoreItem xmlns:ds="http://schemas.openxmlformats.org/officeDocument/2006/customXml" ds:itemID="{41CCB898-6BC5-4E82-B032-41DA4C6DA685}">
+<file path=customXml/itemProps20.xml><?xml version="1.0" encoding="utf-8"?>
+<ds:datastoreItem xmlns:ds="http://schemas.openxmlformats.org/officeDocument/2006/customXml" ds:itemID="{623A027E-FA1B-4E40-ABA3-27E1D8D5B860}">
   <ds:schemaRefs/>
 </ds:datastoreItem>
 </file>
 
-<file path=customXml/itemProps49.xml><?xml version="1.0" encoding="utf-8"?>
+<file path=customXml/itemProps21.xml><?xml version="1.0" encoding="utf-8"?>
+<ds:datastoreItem xmlns:ds="http://schemas.openxmlformats.org/officeDocument/2006/customXml" ds:itemID="{E989E348-BB5E-4CA7-B1F5-7E2A4307A8FD}">
+  <ds:schemaRefs/>
+</ds:datastoreItem>
+</file>
+
+<file path=customXml/itemProps22.xml><?xml version="1.0" encoding="utf-8"?>
+<ds:datastoreItem xmlns:ds="http://schemas.openxmlformats.org/officeDocument/2006/customXml" ds:itemID="{7CC5F709-E74B-4E5F-A728-923D5062EBEF}">
+  <ds:schemaRefs/>
+</ds:datastoreItem>
+</file>
+
+<file path=customXml/itemProps23.xml><?xml version="1.0" encoding="utf-8"?>
 <ds:datastoreItem xmlns:ds="http://schemas.openxmlformats.org/officeDocument/2006/customXml" ds:itemID="{7E35FEDB-1F0E-4D67-A313-4AC59C26FF29}">
   <ds:schemaRefs/>
 </ds:datastoreItem>
 </file>
 
-<file path=customXml/itemProps5.xml><?xml version="1.0" encoding="utf-8"?>
-<ds:datastoreItem xmlns:ds="http://schemas.openxmlformats.org/officeDocument/2006/customXml" ds:itemID="{8947488F-8677-4371-A7B9-A9F5E958F934}">
+<file path=customXml/itemProps24.xml><?xml version="1.0" encoding="utf-8"?>
+<ds:datastoreItem xmlns:ds="http://schemas.openxmlformats.org/officeDocument/2006/customXml" ds:itemID="{1581BFFB-B4CE-47A8-BE77-DC1339B1E5A7}">
   <ds:schemaRefs/>
 </ds:datastoreItem>
 </file>
 
-<file path=customXml/itemProps50.xml><?xml version="1.0" encoding="utf-8"?>
-<ds:datastoreItem xmlns:ds="http://schemas.openxmlformats.org/officeDocument/2006/customXml" ds:itemID="{9E884C92-9D86-4AEC-A7A5-3504C77CE7E6}">
-  <ds:schemaRefs>
-    <ds:schemaRef ds:uri="http://schemas.microsoft.com/sharepoint/v3/contenttype/forms"/>
-  </ds:schemaRefs>
-</ds:datastoreItem>
-</file>
-
-<file path=customXml/itemProps6.xml><?xml version="1.0" encoding="utf-8"?>
-<ds:datastoreItem xmlns:ds="http://schemas.openxmlformats.org/officeDocument/2006/customXml" ds:itemID="{6C79E4F8-DCFB-483C-880A-AEEC6AAFC838}">
+<file path=customXml/itemProps25.xml><?xml version="1.0" encoding="utf-8"?>
+<ds:datastoreItem xmlns:ds="http://schemas.openxmlformats.org/officeDocument/2006/customXml" ds:itemID="{1674DD19-E9FE-471B-AB71-6AEABBC9F9E0}">
   <ds:schemaRefs/>
 </ds:datastoreItem>
 </file>
 
-<file path=customXml/itemProps7.xml><?xml version="1.0" encoding="utf-8"?>
-<ds:datastoreItem xmlns:ds="http://schemas.openxmlformats.org/officeDocument/2006/customXml" ds:itemID="{1618AA06-B22E-4D19-9680-0D7830426729}">
+<file path=customXml/itemProps26.xml><?xml version="1.0" encoding="utf-8"?>
+<ds:datastoreItem xmlns:ds="http://schemas.openxmlformats.org/officeDocument/2006/customXml" ds:itemID="{D7BABA95-BFFE-422B-8591-3271669EEA88}">
   <ds:schemaRefs/>
 </ds:datastoreItem>
 </file>
 
-<file path=customXml/itemProps8.xml><?xml version="1.0" encoding="utf-8"?>
-<ds:datastoreItem xmlns:ds="http://schemas.openxmlformats.org/officeDocument/2006/customXml" ds:itemID="{6DEBB134-AEA1-4183-B01D-33F890EEC98A}">
+<file path=customXml/itemProps27.xml><?xml version="1.0" encoding="utf-8"?>
+<ds:datastoreItem xmlns:ds="http://schemas.openxmlformats.org/officeDocument/2006/customXml" ds:itemID="{1666F4C2-68F5-4840-A44A-1A646C0925A1}">
   <ds:schemaRefs/>
 </ds:datastoreItem>
 </file>
 
-<file path=customXml/itemProps9.xml><?xml version="1.0" encoding="utf-8"?>
+<file path=customXml/itemProps28.xml><?xml version="1.0" encoding="utf-8"?>
+<ds:datastoreItem xmlns:ds="http://schemas.openxmlformats.org/officeDocument/2006/customXml" ds:itemID="{60452D37-A223-4B79-877E-518976911313}">
+  <ds:schemaRefs/>
+</ds:datastoreItem>
+</file>
+
+<file path=customXml/itemProps29.xml><?xml version="1.0" encoding="utf-8"?>
 <ds:datastoreItem xmlns:ds="http://schemas.openxmlformats.org/officeDocument/2006/customXml" ds:itemID="{25CE6EFA-39D8-4B1C-B136-0913876F4D92}">
   <ds:schemaRefs>
     <ds:schemaRef ds:uri="http://purl.org/dc/elements/1.1/"/>
@@ -19814,4 +19642,176 @@
     <ds:schemaRef ds:uri="http://purl.org/dc/dcmitype/"/>
   </ds:schemaRefs>
 </ds:datastoreItem>
+</file>
+
+<file path=customXml/itemProps3.xml><?xml version="1.0" encoding="utf-8"?>
+<ds:datastoreItem xmlns:ds="http://schemas.openxmlformats.org/officeDocument/2006/customXml" ds:itemID="{9E884C92-9D86-4AEC-A7A5-3504C77CE7E6}">
+  <ds:schemaRefs>
+    <ds:schemaRef ds:uri="http://schemas.microsoft.com/sharepoint/v3/contenttype/forms"/>
+  </ds:schemaRefs>
+</ds:datastoreItem>
+</file>
+
+<file path=customXml/itemProps30.xml><?xml version="1.0" encoding="utf-8"?>
+<ds:datastoreItem xmlns:ds="http://schemas.openxmlformats.org/officeDocument/2006/customXml" ds:itemID="{85D77EE6-52B7-48BE-9EDB-748F1EBB53DE}">
+  <ds:schemaRefs/>
+</ds:datastoreItem>
+</file>
+
+<file path=customXml/itemProps31.xml><?xml version="1.0" encoding="utf-8"?>
+<ds:datastoreItem xmlns:ds="http://schemas.openxmlformats.org/officeDocument/2006/customXml" ds:itemID="{4FD15F83-82E1-4EEB-AC77-C167D007E53A}">
+  <ds:schemaRefs/>
+</ds:datastoreItem>
+</file>
+
+<file path=customXml/itemProps32.xml><?xml version="1.0" encoding="utf-8"?>
+<ds:datastoreItem xmlns:ds="http://schemas.openxmlformats.org/officeDocument/2006/customXml" ds:itemID="{1032321B-8E16-492D-B443-67716A6DC16D}">
+  <ds:schemaRefs/>
+</ds:datastoreItem>
+</file>
+
+<file path=customXml/itemProps33.xml><?xml version="1.0" encoding="utf-8"?>
+<ds:datastoreItem xmlns:ds="http://schemas.openxmlformats.org/officeDocument/2006/customXml" ds:itemID="{93163C92-B9EB-4DBA-828D-312DCC4C1410}">
+  <ds:schemaRefs/>
+</ds:datastoreItem>
+</file>
+
+<file path=customXml/itemProps34.xml><?xml version="1.0" encoding="utf-8"?>
+<ds:datastoreItem xmlns:ds="http://schemas.openxmlformats.org/officeDocument/2006/customXml" ds:itemID="{D8097D0C-BE3E-4AEC-9593-65CFCCB19297}">
+  <ds:schemaRefs/>
+</ds:datastoreItem>
+</file>
+
+<file path=customXml/itemProps35.xml><?xml version="1.0" encoding="utf-8"?>
+<ds:datastoreItem xmlns:ds="http://schemas.openxmlformats.org/officeDocument/2006/customXml" ds:itemID="{D9FE249F-833E-4CF0-BECB-552D01D7DC9E}">
+  <ds:schemaRefs/>
+</ds:datastoreItem>
+</file>
+
+<file path=customXml/itemProps36.xml><?xml version="1.0" encoding="utf-8"?>
+<ds:datastoreItem xmlns:ds="http://schemas.openxmlformats.org/officeDocument/2006/customXml" ds:itemID="{41CCB898-6BC5-4E82-B032-41DA4C6DA685}">
+  <ds:schemaRefs/>
+</ds:datastoreItem>
+</file>
+
+<file path=customXml/itemProps37.xml><?xml version="1.0" encoding="utf-8"?>
+<ds:datastoreItem xmlns:ds="http://schemas.openxmlformats.org/officeDocument/2006/customXml" ds:itemID="{6DEBB134-AEA1-4183-B01D-33F890EEC98A}">
+  <ds:schemaRefs/>
+</ds:datastoreItem>
+</file>
+
+<file path=customXml/itemProps38.xml><?xml version="1.0" encoding="utf-8"?>
+<ds:datastoreItem xmlns:ds="http://schemas.openxmlformats.org/officeDocument/2006/customXml" ds:itemID="{15CF3461-70D1-4B54-AFAB-DAFDA0A238CD}">
+  <ds:schemaRefs/>
+</ds:datastoreItem>
+</file>
+
+<file path=customXml/itemProps39.xml><?xml version="1.0" encoding="utf-8"?>
+<ds:datastoreItem xmlns:ds="http://schemas.openxmlformats.org/officeDocument/2006/customXml" ds:itemID="{F26BF11F-11CE-4468-9B29-5381BA3896EF}">
+  <ds:schemaRefs/>
+</ds:datastoreItem>
+</file>
+
+<file path=customXml/itemProps4.xml><?xml version="1.0" encoding="utf-8"?>
+<ds:datastoreItem xmlns:ds="http://schemas.openxmlformats.org/officeDocument/2006/customXml" ds:itemID="{1618AA06-B22E-4D19-9680-0D7830426729}">
+  <ds:schemaRefs/>
+</ds:datastoreItem>
+</file>
+
+<file path=customXml/itemProps40.xml><?xml version="1.0" encoding="utf-8"?>
+<ds:datastoreItem xmlns:ds="http://schemas.openxmlformats.org/officeDocument/2006/customXml" ds:itemID="{A0DA68F1-0C27-4B9B-8770-063E2F0245F0}">
+  <ds:schemaRefs/>
+</ds:datastoreItem>
+</file>
+
+<file path=customXml/itemProps41.xml><?xml version="1.0" encoding="utf-8"?>
+<ds:datastoreItem xmlns:ds="http://schemas.openxmlformats.org/officeDocument/2006/customXml" ds:itemID="{B27F640E-84DF-4F97-BC70-D045F1E6594F}">
+  <ds:schemaRefs/>
+</ds:datastoreItem>
+</file>
+
+<file path=customXml/itemProps42.xml><?xml version="1.0" encoding="utf-8"?>
+<ds:datastoreItem xmlns:ds="http://schemas.openxmlformats.org/officeDocument/2006/customXml" ds:itemID="{01BCD006-2301-4376-8C9A-0124472EE261}">
+  <ds:schemaRefs/>
+</ds:datastoreItem>
+</file>
+
+<file path=customXml/itemProps43.xml><?xml version="1.0" encoding="utf-8"?>
+<ds:datastoreItem xmlns:ds="http://schemas.openxmlformats.org/officeDocument/2006/customXml" ds:itemID="{7E1657E9-E77F-4BDB-917C-A93B8E0B9C25}">
+  <ds:schemaRefs>
+    <ds:schemaRef ds:uri="http://schemas.microsoft.com/sharepoint/events"/>
+  </ds:schemaRefs>
+</ds:datastoreItem>
+</file>
+
+<file path=customXml/itemProps44.xml><?xml version="1.0" encoding="utf-8"?>
+<ds:datastoreItem xmlns:ds="http://schemas.openxmlformats.org/officeDocument/2006/customXml" ds:itemID="{19134194-BE48-42AD-A3BA-0F3F553401A9}">
+  <ds:schemaRefs/>
+</ds:datastoreItem>
+</file>
+
+<file path=customXml/itemProps45.xml><?xml version="1.0" encoding="utf-8"?>
+<ds:datastoreItem xmlns:ds="http://schemas.openxmlformats.org/officeDocument/2006/customXml" ds:itemID="{D46F0270-1190-4E3E-ADC0-A4C89DC6A23D}">
+  <ds:schemaRefs/>
+</ds:datastoreItem>
+</file>
+
+<file path=customXml/itemProps46.xml><?xml version="1.0" encoding="utf-8"?>
+<ds:datastoreItem xmlns:ds="http://schemas.openxmlformats.org/officeDocument/2006/customXml" ds:itemID="{2286C891-E1E5-489F-89C3-7EF132500CA1}">
+  <ds:schemaRefs/>
+</ds:datastoreItem>
+</file>
+
+<file path=customXml/itemProps47.xml><?xml version="1.0" encoding="utf-8"?>
+<ds:datastoreItem xmlns:ds="http://schemas.openxmlformats.org/officeDocument/2006/customXml" ds:itemID="{852B9EF6-0D64-45A5-B116-711E7B640C61}">
+  <ds:schemaRefs/>
+</ds:datastoreItem>
+</file>
+
+<file path=customXml/itemProps48.xml><?xml version="1.0" encoding="utf-8"?>
+<ds:datastoreItem xmlns:ds="http://schemas.openxmlformats.org/officeDocument/2006/customXml" ds:itemID="{844B3BAE-C710-4301-8F19-C4939F5E6C03}">
+  <ds:schemaRefs/>
+</ds:datastoreItem>
+</file>
+
+<file path=customXml/itemProps49.xml><?xml version="1.0" encoding="utf-8"?>
+<ds:datastoreItem xmlns:ds="http://schemas.openxmlformats.org/officeDocument/2006/customXml" ds:itemID="{E3380EE4-9761-4ED1-948E-D24773C23618}">
+  <ds:schemaRefs/>
+</ds:datastoreItem>
+</file>
+
+<file path=customXml/itemProps5.xml><?xml version="1.0" encoding="utf-8"?>
+<ds:datastoreItem xmlns:ds="http://schemas.openxmlformats.org/officeDocument/2006/customXml" ds:itemID="{E396ED11-9990-4631-9B63-D320ECD4883D}">
+  <ds:schemaRefs/>
+</ds:datastoreItem>
+</file>
+
+<file path=customXml/itemProps50.xml><?xml version="1.0" encoding="utf-8"?>
+<ds:datastoreItem xmlns:ds="http://schemas.openxmlformats.org/officeDocument/2006/customXml" ds:itemID="{5E396725-9907-4BEF-AED3-53B31F94D162}">
+  <ds:schemaRefs/>
+</ds:datastoreItem>
+</file>
+
+<file path=customXml/itemProps6.xml><?xml version="1.0" encoding="utf-8"?>
+<ds:datastoreItem xmlns:ds="http://schemas.openxmlformats.org/officeDocument/2006/customXml" ds:itemID="{8E679A1C-59DF-447D-B1B5-4292F99625CE}">
+  <ds:schemaRefs/>
+</ds:datastoreItem>
+</file>
+
+<file path=customXml/itemProps7.xml><?xml version="1.0" encoding="utf-8"?>
+<ds:datastoreItem xmlns:ds="http://schemas.openxmlformats.org/officeDocument/2006/customXml" ds:itemID="{DF06C1C7-74EE-4276-9A6B-6DB954A8A2DB}">
+  <ds:schemaRefs/>
+</ds:datastoreItem>
+</file>
+
+<file path=customXml/itemProps8.xml><?xml version="1.0" encoding="utf-8"?>
+<ds:datastoreItem xmlns:ds="http://schemas.openxmlformats.org/officeDocument/2006/customXml" ds:itemID="{01724334-0230-43D9-A338-9A6674F7E76B}">
+  <ds:schemaRefs/>
+</ds:datastoreItem>
+</file>
+
+<file path=customXml/itemProps9.xml><?xml version="1.0" encoding="utf-8"?>
+<ds:datastoreItem xmlns:ds="http://schemas.openxmlformats.org/officeDocument/2006/customXml" ds:itemID="{01E219AD-E7E9-46A8-978F-F3D5677772F7}">
+  <ds:schemaRefs/>
+</ds:datastoreItem>
 </file>